--- a/Week29 Mamba relative works.pptx
+++ b/Week29 Mamba relative works.pptx
@@ -9,6 +9,7 @@
     <p:sldId id="258" r:id="rId3"/>
     <p:sldId id="259" r:id="rId4"/>
     <p:sldId id="260" r:id="rId5"/>
+    <p:sldId id="263" r:id="rId6"/>
   </p:sldIdLst>
   <p:sldSz cx="12192000" cy="6858000"/>
   <p:notesSz cx="6858000" cy="9144000"/>
@@ -107,11 +108,62 @@
       </a:defRPr>
     </a:lvl9pPr>
   </p:defaultTextStyle>
+  <p:extLst>
+    <p:ext uri="{EFAFB233-063F-42B5-8137-9DF3F51BA10A}">
+      <p15:sldGuideLst xmlns:p15="http://schemas.microsoft.com/office/powerpoint/2012/main"/>
+    </p:ext>
+  </p:extLst>
 </p:presentation>
 </file>
 
 <file path=ppt/changesInfos/changesInfo1.xml><?xml version="1.0" encoding="utf-8"?>
 <pc:chgInfo xmlns:a="http://schemas.openxmlformats.org/drawingml/2006/main" xmlns:r="http://schemas.openxmlformats.org/officeDocument/2006/relationships" xmlns:ac="http://schemas.microsoft.com/office/drawing/2013/main/command" xmlns:pc="http://schemas.microsoft.com/office/powerpoint/2013/main/command">
+  <pc:docChgLst>
+    <pc:chgData name="BRYANT MAKE" userId="1bf0b19fd3cee7b2" providerId="LiveId" clId="{B5E8DA08-66AA-46F8-98A7-10D931F65558}"/>
+    <pc:docChg chg="undo custSel addSld delSld modSld">
+      <pc:chgData name="BRYANT MAKE" userId="1bf0b19fd3cee7b2" providerId="LiveId" clId="{B5E8DA08-66AA-46F8-98A7-10D931F65558}" dt="2024-07-15T01:24:16.890" v="7" actId="47"/>
+      <pc:docMkLst>
+        <pc:docMk/>
+      </pc:docMkLst>
+      <pc:sldChg chg="new del">
+        <pc:chgData name="BRYANT MAKE" userId="1bf0b19fd3cee7b2" providerId="LiveId" clId="{B5E8DA08-66AA-46F8-98A7-10D931F65558}" dt="2024-07-15T01:23:39.135" v="1" actId="680"/>
+        <pc:sldMkLst>
+          <pc:docMk/>
+          <pc:sldMk cId="415887315" sldId="261"/>
+        </pc:sldMkLst>
+      </pc:sldChg>
+      <pc:sldChg chg="delSp new del mod">
+        <pc:chgData name="BRYANT MAKE" userId="1bf0b19fd3cee7b2" providerId="LiveId" clId="{B5E8DA08-66AA-46F8-98A7-10D931F65558}" dt="2024-07-15T01:24:15.507" v="5" actId="47"/>
+        <pc:sldMkLst>
+          <pc:docMk/>
+          <pc:sldMk cId="4012846817" sldId="261"/>
+        </pc:sldMkLst>
+        <pc:spChg chg="del">
+          <ac:chgData name="BRYANT MAKE" userId="1bf0b19fd3cee7b2" providerId="LiveId" clId="{B5E8DA08-66AA-46F8-98A7-10D931F65558}" dt="2024-07-15T01:24:01.910" v="3" actId="478"/>
+          <ac:spMkLst>
+            <pc:docMk/>
+            <pc:sldMk cId="4012846817" sldId="261"/>
+            <ac:spMk id="2" creationId="{4C499C44-4641-4C7D-8EB0-3E2A238F12FD}"/>
+          </ac:spMkLst>
+        </pc:spChg>
+        <pc:spChg chg="del">
+          <ac:chgData name="BRYANT MAKE" userId="1bf0b19fd3cee7b2" providerId="LiveId" clId="{B5E8DA08-66AA-46F8-98A7-10D931F65558}" dt="2024-07-15T01:24:01.910" v="3" actId="478"/>
+          <ac:spMkLst>
+            <pc:docMk/>
+            <pc:sldMk cId="4012846817" sldId="261"/>
+            <ac:spMk id="3" creationId="{E8C14845-460A-4590-B001-85C4C113C94E}"/>
+          </ac:spMkLst>
+        </pc:spChg>
+      </pc:sldChg>
+      <pc:sldChg chg="add del">
+        <pc:chgData name="BRYANT MAKE" userId="1bf0b19fd3cee7b2" providerId="LiveId" clId="{B5E8DA08-66AA-46F8-98A7-10D931F65558}" dt="2024-07-15T01:24:16.890" v="7" actId="47"/>
+        <pc:sldMkLst>
+          <pc:docMk/>
+          <pc:sldMk cId="1931462017" sldId="263"/>
+        </pc:sldMkLst>
+      </pc:sldChg>
+    </pc:docChg>
+  </pc:docChgLst>
   <pc:docChgLst>
     <pc:chgData name="BRYANT MAKE" userId="1bf0b19fd3cee7b2" providerId="LiveId" clId="{1A242C5C-8A5F-415D-8909-CFE36EAB2810}"/>
     <pc:docChg chg="undo custSel addSld modSld">
@@ -1205,6 +1257,944 @@
 </p:sld>
 </file>
 
+<file path=ppt/slides/slide5.xml><?xml version="1.0" encoding="utf-8"?>
+<p:sld xmlns:a="http://schemas.openxmlformats.org/drawingml/2006/main" xmlns:r="http://schemas.openxmlformats.org/officeDocument/2006/relationships" xmlns:p="http://schemas.openxmlformats.org/presentationml/2006/main">
+  <p:cSld>
+    <p:spTree>
+      <p:nvGrpSpPr>
+        <p:cNvPr id="1" name=""/>
+        <p:cNvGrpSpPr/>
+        <p:nvPr/>
+      </p:nvGrpSpPr>
+      <p:grpSpPr>
+        <a:xfrm>
+          <a:off x="0" y="0"/>
+          <a:ext cx="0" cy="0"/>
+          <a:chOff x="0" y="0"/>
+          <a:chExt cx="0" cy="0"/>
+        </a:xfrm>
+      </p:grpSpPr>
+      <p:sp>
+        <p:nvSpPr>
+          <p:cNvPr id="4" name="文本框 3">
+            <a:extLst>
+              <a:ext uri="{FF2B5EF4-FFF2-40B4-BE49-F238E27FC236}">
+                <a16:creationId xmlns:a16="http://schemas.microsoft.com/office/drawing/2014/main" id="{8ACFEEBE-B05E-4372-9501-8A86F78B75C3}"/>
+              </a:ext>
+            </a:extLst>
+          </p:cNvPr>
+          <p:cNvSpPr txBox="1"/>
+          <p:nvPr/>
+        </p:nvSpPr>
+        <p:spPr>
+          <a:xfrm>
+            <a:off x="228599" y="144379"/>
+            <a:ext cx="8610601" cy="369332"/>
+          </a:xfrm>
+          <a:prstGeom prst="rect">
+            <a:avLst/>
+          </a:prstGeom>
+          <a:noFill/>
+        </p:spPr>
+        <p:txBody>
+          <a:bodyPr wrap="square" rtlCol="0">
+            <a:spAutoFit/>
+          </a:bodyPr>
+          <a:lstStyle/>
+          <a:p>
+            <a:r>
+              <a:rPr lang="en-US" altLang="zh-CN" dirty="0">
+                <a:latin typeface="Times New Roman" panose="02020603050405020304" pitchFamily="18" charset="0"/>
+                <a:cs typeface="Times New Roman" panose="02020603050405020304" pitchFamily="18" charset="0"/>
+              </a:rPr>
+              <a:t>Test-Time Training (TTT)</a:t>
+            </a:r>
+            <a:endParaRPr lang="zh-CN" altLang="en-US" dirty="0">
+              <a:latin typeface="Times New Roman" panose="02020603050405020304" pitchFamily="18" charset="0"/>
+              <a:cs typeface="Times New Roman" panose="02020603050405020304" pitchFamily="18" charset="0"/>
+            </a:endParaRPr>
+          </a:p>
+        </p:txBody>
+      </p:sp>
+      <p:pic>
+        <p:nvPicPr>
+          <p:cNvPr id="6" name="图片 5">
+            <a:extLst>
+              <a:ext uri="{FF2B5EF4-FFF2-40B4-BE49-F238E27FC236}">
+                <a16:creationId xmlns:a16="http://schemas.microsoft.com/office/drawing/2014/main" id="{612A7F7F-1A3B-4328-825D-392E2088AC40}"/>
+              </a:ext>
+            </a:extLst>
+          </p:cNvPr>
+          <p:cNvPicPr>
+            <a:picLocks noChangeAspect="1"/>
+          </p:cNvPicPr>
+          <p:nvPr/>
+        </p:nvPicPr>
+        <p:blipFill>
+          <a:blip r:embed="rId2"/>
+          <a:stretch>
+            <a:fillRect/>
+          </a:stretch>
+        </p:blipFill>
+        <p:spPr>
+          <a:xfrm>
+            <a:off x="420162" y="1067367"/>
+            <a:ext cx="5532402" cy="2456862"/>
+          </a:xfrm>
+          <a:prstGeom prst="rect">
+            <a:avLst/>
+          </a:prstGeom>
+        </p:spPr>
+      </p:pic>
+      <mc:AlternateContent xmlns:mc="http://schemas.openxmlformats.org/markup-compatibility/2006" xmlns:a14="http://schemas.microsoft.com/office/drawing/2010/main">
+        <mc:Choice Requires="a14">
+          <p:sp>
+            <p:nvSpPr>
+              <p:cNvPr id="7" name="文本框 6">
+                <a:extLst>
+                  <a:ext uri="{FF2B5EF4-FFF2-40B4-BE49-F238E27FC236}">
+                    <a16:creationId xmlns:a16="http://schemas.microsoft.com/office/drawing/2014/main" id="{26693002-C2A0-4482-BE5C-CC70560725CD}"/>
+                  </a:ext>
+                </a:extLst>
+              </p:cNvPr>
+              <p:cNvSpPr txBox="1"/>
+              <p:nvPr/>
+            </p:nvSpPr>
+            <p:spPr>
+              <a:xfrm>
+                <a:off x="7064188" y="1067367"/>
+                <a:ext cx="3765177" cy="2585323"/>
+              </a:xfrm>
+              <a:prstGeom prst="rect">
+                <a:avLst/>
+              </a:prstGeom>
+              <a:noFill/>
+            </p:spPr>
+            <p:txBody>
+              <a:bodyPr wrap="square" rtlCol="0">
+                <a:spAutoFit/>
+              </a:bodyPr>
+              <a:lstStyle/>
+              <a:p>
+                <a:pPr/>
+                <a14:m>
+                  <m:oMathPara xmlns:m="http://schemas.openxmlformats.org/officeDocument/2006/math">
+                    <m:oMathParaPr>
+                      <m:jc m:val="centerGroup"/>
+                    </m:oMathParaPr>
+                    <m:oMath xmlns:m="http://schemas.openxmlformats.org/officeDocument/2006/math">
+                      <m:sSub>
+                        <m:sSubPr>
+                          <m:ctrlPr>
+                            <a:rPr lang="en-US" altLang="zh-CN" i="1" smtClean="0">
+                              <a:latin typeface="Cambria Math" panose="02040503050406030204" pitchFamily="18" charset="0"/>
+                            </a:rPr>
+                          </m:ctrlPr>
+                        </m:sSubPr>
+                        <m:e>
+                          <m:r>
+                            <a:rPr lang="en-US" altLang="zh-CN" b="0" i="1" smtClean="0">
+                              <a:latin typeface="Cambria Math" panose="02040503050406030204" pitchFamily="18" charset="0"/>
+                            </a:rPr>
+                            <m:t>𝑍</m:t>
+                          </m:r>
+                        </m:e>
+                        <m:sub>
+                          <m:r>
+                            <a:rPr lang="en-US" altLang="zh-CN" b="0" i="1" smtClean="0">
+                              <a:latin typeface="Cambria Math" panose="02040503050406030204" pitchFamily="18" charset="0"/>
+                            </a:rPr>
+                            <m:t>𝑡</m:t>
+                          </m:r>
+                        </m:sub>
+                      </m:sSub>
+                      <m:r>
+                        <a:rPr lang="en-US" altLang="zh-CN" b="0" i="1" smtClean="0">
+                          <a:latin typeface="Cambria Math" panose="02040503050406030204" pitchFamily="18" charset="0"/>
+                        </a:rPr>
+                        <m:t>=</m:t>
+                      </m:r>
+                      <m:r>
+                        <a:rPr lang="en-US" altLang="zh-CN" b="0" i="1" smtClean="0">
+                          <a:latin typeface="Cambria Math" panose="02040503050406030204" pitchFamily="18" charset="0"/>
+                        </a:rPr>
+                        <m:t>𝑓</m:t>
+                      </m:r>
+                      <m:d>
+                        <m:dPr>
+                          <m:ctrlPr>
+                            <a:rPr lang="en-US" altLang="zh-CN" b="0" i="1" smtClean="0">
+                              <a:latin typeface="Cambria Math" panose="02040503050406030204" pitchFamily="18" charset="0"/>
+                            </a:rPr>
+                          </m:ctrlPr>
+                        </m:dPr>
+                        <m:e>
+                          <m:sSub>
+                            <m:sSubPr>
+                              <m:ctrlPr>
+                                <a:rPr lang="en-US" altLang="zh-CN" b="0" i="1" smtClean="0">
+                                  <a:latin typeface="Cambria Math" panose="02040503050406030204" pitchFamily="18" charset="0"/>
+                                </a:rPr>
+                              </m:ctrlPr>
+                            </m:sSubPr>
+                            <m:e>
+                              <m:r>
+                                <a:rPr lang="en-US" altLang="zh-CN" b="0" i="1" smtClean="0">
+                                  <a:latin typeface="Cambria Math" panose="02040503050406030204" pitchFamily="18" charset="0"/>
+                                </a:rPr>
+                                <m:t>𝑥</m:t>
+                              </m:r>
+                            </m:e>
+                            <m:sub>
+                              <m:r>
+                                <a:rPr lang="en-US" altLang="zh-CN" b="0" i="1" smtClean="0">
+                                  <a:latin typeface="Cambria Math" panose="02040503050406030204" pitchFamily="18" charset="0"/>
+                                </a:rPr>
+                                <m:t>𝑡</m:t>
+                              </m:r>
+                            </m:sub>
+                          </m:sSub>
+                          <m:r>
+                            <a:rPr lang="en-US" altLang="zh-CN" b="0" i="1" smtClean="0">
+                              <a:latin typeface="Cambria Math" panose="02040503050406030204" pitchFamily="18" charset="0"/>
+                            </a:rPr>
+                            <m:t>; </m:t>
+                          </m:r>
+                          <m:sSub>
+                            <m:sSubPr>
+                              <m:ctrlPr>
+                                <a:rPr lang="en-US" altLang="zh-CN" b="0" i="1" smtClean="0">
+                                  <a:latin typeface="Cambria Math" panose="02040503050406030204" pitchFamily="18" charset="0"/>
+                                </a:rPr>
+                              </m:ctrlPr>
+                            </m:sSubPr>
+                            <m:e>
+                              <m:r>
+                                <a:rPr lang="en-US" altLang="zh-CN" b="0" i="1" smtClean="0">
+                                  <a:latin typeface="Cambria Math" panose="02040503050406030204" pitchFamily="18" charset="0"/>
+                                </a:rPr>
+                                <m:t>𝑊</m:t>
+                              </m:r>
+                            </m:e>
+                            <m:sub>
+                              <m:r>
+                                <a:rPr lang="en-US" altLang="zh-CN" b="0" i="1" smtClean="0">
+                                  <a:latin typeface="Cambria Math" panose="02040503050406030204" pitchFamily="18" charset="0"/>
+                                </a:rPr>
+                                <m:t>𝑡</m:t>
+                              </m:r>
+                            </m:sub>
+                          </m:sSub>
+                        </m:e>
+                      </m:d>
+                    </m:oMath>
+                  </m:oMathPara>
+                </a14:m>
+                <a:endParaRPr lang="en-US" altLang="zh-CN" b="0" dirty="0"/>
+              </a:p>
+              <a:p>
+                <a:endParaRPr lang="en-US" altLang="zh-CN" b="0" dirty="0"/>
+              </a:p>
+              <a:p>
+                <a:pPr/>
+                <a14:m>
+                  <m:oMathPara xmlns:m="http://schemas.openxmlformats.org/officeDocument/2006/math">
+                    <m:oMathParaPr>
+                      <m:jc m:val="centerGroup"/>
+                    </m:oMathParaPr>
+                    <m:oMath xmlns:m="http://schemas.openxmlformats.org/officeDocument/2006/math">
+                      <m:sSub>
+                        <m:sSubPr>
+                          <m:ctrlPr>
+                            <a:rPr lang="en-US" altLang="zh-CN" i="1" smtClean="0">
+                              <a:latin typeface="Cambria Math" panose="02040503050406030204" pitchFamily="18" charset="0"/>
+                            </a:rPr>
+                          </m:ctrlPr>
+                        </m:sSubPr>
+                        <m:e>
+                          <m:r>
+                            <a:rPr lang="en-US" altLang="zh-CN" b="0" i="1" smtClean="0">
+                              <a:latin typeface="Cambria Math" panose="02040503050406030204" pitchFamily="18" charset="0"/>
+                            </a:rPr>
+                            <m:t>𝑊</m:t>
+                          </m:r>
+                        </m:e>
+                        <m:sub>
+                          <m:r>
+                            <a:rPr lang="en-US" altLang="zh-CN" b="0" i="1" smtClean="0">
+                              <a:latin typeface="Cambria Math" panose="02040503050406030204" pitchFamily="18" charset="0"/>
+                            </a:rPr>
+                            <m:t>𝑡</m:t>
+                          </m:r>
+                        </m:sub>
+                      </m:sSub>
+                      <m:r>
+                        <a:rPr lang="en-US" altLang="zh-CN" b="0" i="1" smtClean="0">
+                          <a:latin typeface="Cambria Math" panose="02040503050406030204" pitchFamily="18" charset="0"/>
+                        </a:rPr>
+                        <m:t>=</m:t>
+                      </m:r>
+                      <m:sSub>
+                        <m:sSubPr>
+                          <m:ctrlPr>
+                            <a:rPr lang="en-US" altLang="zh-CN" b="0" i="1" smtClean="0">
+                              <a:latin typeface="Cambria Math" panose="02040503050406030204" pitchFamily="18" charset="0"/>
+                            </a:rPr>
+                          </m:ctrlPr>
+                        </m:sSubPr>
+                        <m:e>
+                          <m:r>
+                            <a:rPr lang="en-US" altLang="zh-CN" b="0" i="1" smtClean="0">
+                              <a:latin typeface="Cambria Math" panose="02040503050406030204" pitchFamily="18" charset="0"/>
+                            </a:rPr>
+                            <m:t>𝑊</m:t>
+                          </m:r>
+                        </m:e>
+                        <m:sub>
+                          <m:r>
+                            <a:rPr lang="en-US" altLang="zh-CN" b="0" i="1" smtClean="0">
+                              <a:latin typeface="Cambria Math" panose="02040503050406030204" pitchFamily="18" charset="0"/>
+                            </a:rPr>
+                            <m:t>𝑡</m:t>
+                          </m:r>
+                          <m:r>
+                            <a:rPr lang="en-US" altLang="zh-CN" b="0" i="1" smtClean="0">
+                              <a:latin typeface="Cambria Math" panose="02040503050406030204" pitchFamily="18" charset="0"/>
+                            </a:rPr>
+                            <m:t>−1</m:t>
+                          </m:r>
+                        </m:sub>
+                      </m:sSub>
+                      <m:r>
+                        <a:rPr lang="en-US" altLang="zh-CN" b="0" i="1" smtClean="0">
+                          <a:latin typeface="Cambria Math" panose="02040503050406030204" pitchFamily="18" charset="0"/>
+                        </a:rPr>
+                        <m:t>−</m:t>
+                      </m:r>
+                      <m:r>
+                        <a:rPr lang="zh-CN" altLang="en-US" i="1" dirty="0" smtClean="0">
+                          <a:latin typeface="Cambria Math" panose="02040503050406030204" pitchFamily="18" charset="0"/>
+                        </a:rPr>
+                        <m:t>𝜂</m:t>
+                      </m:r>
+                      <m:r>
+                        <m:rPr>
+                          <m:sty m:val="p"/>
+                        </m:rPr>
+                        <a:rPr lang="zh-CN" altLang="en-US" dirty="0" smtClean="0">
+                          <a:latin typeface="Cambria Math" panose="02040503050406030204" pitchFamily="18" charset="0"/>
+                        </a:rPr>
+                        <m:t>∇</m:t>
+                      </m:r>
+                      <m:r>
+                        <a:rPr lang="zh-CN" altLang="en-US" i="1" dirty="0" smtClean="0">
+                          <a:latin typeface="Cambria Math" panose="02040503050406030204" pitchFamily="18" charset="0"/>
+                        </a:rPr>
+                        <m:t>𝑙</m:t>
+                      </m:r>
+                      <m:r>
+                        <a:rPr lang="en-US" altLang="zh-CN" b="0" i="1" dirty="0" smtClean="0">
+                          <a:latin typeface="Cambria Math" panose="02040503050406030204" pitchFamily="18" charset="0"/>
+                        </a:rPr>
+                        <m:t>(</m:t>
+                      </m:r>
+                      <m:sSub>
+                        <m:sSubPr>
+                          <m:ctrlPr>
+                            <a:rPr lang="en-US" altLang="zh-CN" b="0" i="1" dirty="0" smtClean="0">
+                              <a:latin typeface="Cambria Math" panose="02040503050406030204" pitchFamily="18" charset="0"/>
+                            </a:rPr>
+                          </m:ctrlPr>
+                        </m:sSubPr>
+                        <m:e>
+                          <m:r>
+                            <a:rPr lang="en-US" altLang="zh-CN" b="0" i="1" dirty="0" smtClean="0">
+                              <a:latin typeface="Cambria Math" panose="02040503050406030204" pitchFamily="18" charset="0"/>
+                            </a:rPr>
+                            <m:t>𝑊</m:t>
+                          </m:r>
+                        </m:e>
+                        <m:sub>
+                          <m:r>
+                            <a:rPr lang="en-US" altLang="zh-CN" b="0" i="1" dirty="0" smtClean="0">
+                              <a:latin typeface="Cambria Math" panose="02040503050406030204" pitchFamily="18" charset="0"/>
+                            </a:rPr>
+                            <m:t>𝑡</m:t>
+                          </m:r>
+                          <m:r>
+                            <a:rPr lang="en-US" altLang="zh-CN" b="0" i="1" dirty="0" smtClean="0">
+                              <a:latin typeface="Cambria Math" panose="02040503050406030204" pitchFamily="18" charset="0"/>
+                            </a:rPr>
+                            <m:t>−1</m:t>
+                          </m:r>
+                        </m:sub>
+                      </m:sSub>
+                      <m:r>
+                        <a:rPr lang="en-US" altLang="zh-CN" b="0" i="1" dirty="0" smtClean="0">
+                          <a:latin typeface="Cambria Math" panose="02040503050406030204" pitchFamily="18" charset="0"/>
+                        </a:rPr>
+                        <m:t>; </m:t>
+                      </m:r>
+                      <m:sSub>
+                        <m:sSubPr>
+                          <m:ctrlPr>
+                            <a:rPr lang="en-US" altLang="zh-CN" b="0" i="1" dirty="0" smtClean="0">
+                              <a:latin typeface="Cambria Math" panose="02040503050406030204" pitchFamily="18" charset="0"/>
+                            </a:rPr>
+                          </m:ctrlPr>
+                        </m:sSubPr>
+                        <m:e>
+                          <m:r>
+                            <a:rPr lang="en-US" altLang="zh-CN" b="0" i="1" dirty="0" smtClean="0">
+                              <a:latin typeface="Cambria Math" panose="02040503050406030204" pitchFamily="18" charset="0"/>
+                            </a:rPr>
+                            <m:t>𝑥</m:t>
+                          </m:r>
+                        </m:e>
+                        <m:sub>
+                          <m:r>
+                            <a:rPr lang="en-US" altLang="zh-CN" b="0" i="1" dirty="0" smtClean="0">
+                              <a:latin typeface="Cambria Math" panose="02040503050406030204" pitchFamily="18" charset="0"/>
+                            </a:rPr>
+                            <m:t>𝑡</m:t>
+                          </m:r>
+                        </m:sub>
+                      </m:sSub>
+                      <m:r>
+                        <a:rPr lang="en-US" altLang="zh-CN" b="0" i="1" dirty="0" smtClean="0">
+                          <a:latin typeface="Cambria Math" panose="02040503050406030204" pitchFamily="18" charset="0"/>
+                        </a:rPr>
+                        <m:t>)</m:t>
+                      </m:r>
+                    </m:oMath>
+                  </m:oMathPara>
+                </a14:m>
+                <a:endParaRPr lang="en-US" altLang="zh-CN" dirty="0"/>
+              </a:p>
+              <a:p>
+                <a:endParaRPr lang="en-US" altLang="zh-CN" dirty="0"/>
+              </a:p>
+              <a:p>
+                <a:pPr/>
+                <a14:m>
+                  <m:oMathPara xmlns:m="http://schemas.openxmlformats.org/officeDocument/2006/math">
+                    <m:oMathParaPr>
+                      <m:jc m:val="centerGroup"/>
+                    </m:oMathParaPr>
+                    <m:oMath xmlns:m="http://schemas.openxmlformats.org/officeDocument/2006/math">
+                      <m:r>
+                        <a:rPr lang="en-US" altLang="zh-CN" b="0" i="1" smtClean="0">
+                          <a:latin typeface="Cambria Math" panose="02040503050406030204" pitchFamily="18" charset="0"/>
+                        </a:rPr>
+                        <m:t>𝑙</m:t>
+                      </m:r>
+                      <m:d>
+                        <m:dPr>
+                          <m:ctrlPr>
+                            <a:rPr lang="en-US" altLang="zh-CN" b="0" i="1" smtClean="0">
+                              <a:latin typeface="Cambria Math" panose="02040503050406030204" pitchFamily="18" charset="0"/>
+                            </a:rPr>
+                          </m:ctrlPr>
+                        </m:dPr>
+                        <m:e>
+                          <m:r>
+                            <a:rPr lang="en-US" altLang="zh-CN" b="0" i="1" smtClean="0">
+                              <a:latin typeface="Cambria Math" panose="02040503050406030204" pitchFamily="18" charset="0"/>
+                            </a:rPr>
+                            <m:t>𝑊</m:t>
+                          </m:r>
+                          <m:r>
+                            <a:rPr lang="en-US" altLang="zh-CN" b="0" i="1" smtClean="0">
+                              <a:latin typeface="Cambria Math" panose="02040503050406030204" pitchFamily="18" charset="0"/>
+                            </a:rPr>
+                            <m:t>; </m:t>
+                          </m:r>
+                          <m:sSub>
+                            <m:sSubPr>
+                              <m:ctrlPr>
+                                <a:rPr lang="en-US" altLang="zh-CN" b="0" i="1" smtClean="0">
+                                  <a:latin typeface="Cambria Math" panose="02040503050406030204" pitchFamily="18" charset="0"/>
+                                </a:rPr>
+                              </m:ctrlPr>
+                            </m:sSubPr>
+                            <m:e>
+                              <m:r>
+                                <a:rPr lang="en-US" altLang="zh-CN" b="0" i="1" smtClean="0">
+                                  <a:latin typeface="Cambria Math" panose="02040503050406030204" pitchFamily="18" charset="0"/>
+                                </a:rPr>
+                                <m:t>𝑥</m:t>
+                              </m:r>
+                            </m:e>
+                            <m:sub>
+                              <m:r>
+                                <a:rPr lang="en-US" altLang="zh-CN" b="0" i="1" smtClean="0">
+                                  <a:latin typeface="Cambria Math" panose="02040503050406030204" pitchFamily="18" charset="0"/>
+                                </a:rPr>
+                                <m:t>𝑡</m:t>
+                              </m:r>
+                            </m:sub>
+                          </m:sSub>
+                        </m:e>
+                      </m:d>
+                      <m:r>
+                        <a:rPr lang="en-US" altLang="zh-CN" b="0" i="1" smtClean="0">
+                          <a:latin typeface="Cambria Math" panose="02040503050406030204" pitchFamily="18" charset="0"/>
+                        </a:rPr>
+                        <m:t>=</m:t>
+                      </m:r>
+                      <m:sSup>
+                        <m:sSupPr>
+                          <m:ctrlPr>
+                            <a:rPr lang="en-US" altLang="zh-CN" b="0" i="1" smtClean="0">
+                              <a:latin typeface="Cambria Math" panose="02040503050406030204" pitchFamily="18" charset="0"/>
+                            </a:rPr>
+                          </m:ctrlPr>
+                        </m:sSupPr>
+                        <m:e>
+                          <m:d>
+                            <m:dPr>
+                              <m:begChr m:val="‖"/>
+                              <m:endChr m:val="‖"/>
+                              <m:ctrlPr>
+                                <a:rPr lang="en-US" altLang="zh-CN" i="1">
+                                  <a:latin typeface="Cambria Math" panose="02040503050406030204" pitchFamily="18" charset="0"/>
+                                </a:rPr>
+                              </m:ctrlPr>
+                            </m:dPr>
+                            <m:e>
+                              <m:r>
+                                <a:rPr lang="en-US" altLang="zh-CN" i="1">
+                                  <a:latin typeface="Cambria Math" panose="02040503050406030204" pitchFamily="18" charset="0"/>
+                                </a:rPr>
+                                <m:t>𝑓</m:t>
+                              </m:r>
+                              <m:d>
+                                <m:dPr>
+                                  <m:ctrlPr>
+                                    <a:rPr lang="en-US" altLang="zh-CN" i="1">
+                                      <a:latin typeface="Cambria Math" panose="02040503050406030204" pitchFamily="18" charset="0"/>
+                                    </a:rPr>
+                                  </m:ctrlPr>
+                                </m:dPr>
+                                <m:e>
+                                  <m:sSub>
+                                    <m:sSubPr>
+                                      <m:ctrlPr>
+                                        <a:rPr lang="en-US" altLang="zh-CN" i="1">
+                                          <a:latin typeface="Cambria Math" panose="02040503050406030204" pitchFamily="18" charset="0"/>
+                                        </a:rPr>
+                                      </m:ctrlPr>
+                                    </m:sSubPr>
+                                    <m:e>
+                                      <m:acc>
+                                        <m:accPr>
+                                          <m:chr m:val="̃"/>
+                                          <m:ctrlPr>
+                                            <a:rPr lang="en-US" altLang="zh-CN" i="1">
+                                              <a:latin typeface="Cambria Math" panose="02040503050406030204" pitchFamily="18" charset="0"/>
+                                            </a:rPr>
+                                          </m:ctrlPr>
+                                        </m:accPr>
+                                        <m:e>
+                                          <m:r>
+                                            <a:rPr lang="en-US" altLang="zh-CN" i="1">
+                                              <a:latin typeface="Cambria Math" panose="02040503050406030204" pitchFamily="18" charset="0"/>
+                                            </a:rPr>
+                                            <m:t>𝑥</m:t>
+                                          </m:r>
+                                        </m:e>
+                                      </m:acc>
+                                    </m:e>
+                                    <m:sub>
+                                      <m:r>
+                                        <a:rPr lang="en-US" altLang="zh-CN" i="1">
+                                          <a:latin typeface="Cambria Math" panose="02040503050406030204" pitchFamily="18" charset="0"/>
+                                        </a:rPr>
+                                        <m:t>𝑡</m:t>
+                                      </m:r>
+                                    </m:sub>
+                                  </m:sSub>
+                                  <m:r>
+                                    <a:rPr lang="en-US" altLang="zh-CN" i="1">
+                                      <a:latin typeface="Cambria Math" panose="02040503050406030204" pitchFamily="18" charset="0"/>
+                                    </a:rPr>
+                                    <m:t>;</m:t>
+                                  </m:r>
+                                  <m:r>
+                                    <a:rPr lang="en-US" altLang="zh-CN" i="1">
+                                      <a:latin typeface="Cambria Math" panose="02040503050406030204" pitchFamily="18" charset="0"/>
+                                    </a:rPr>
+                                    <m:t>𝑊</m:t>
+                                  </m:r>
+                                </m:e>
+                              </m:d>
+                              <m:r>
+                                <a:rPr lang="en-US" altLang="zh-CN" i="1">
+                                  <a:latin typeface="Cambria Math" panose="02040503050406030204" pitchFamily="18" charset="0"/>
+                                </a:rPr>
+                                <m:t>−</m:t>
+                              </m:r>
+                              <m:sSub>
+                                <m:sSubPr>
+                                  <m:ctrlPr>
+                                    <a:rPr lang="en-US" altLang="zh-CN" i="1">
+                                      <a:latin typeface="Cambria Math" panose="02040503050406030204" pitchFamily="18" charset="0"/>
+                                    </a:rPr>
+                                  </m:ctrlPr>
+                                </m:sSubPr>
+                                <m:e>
+                                  <m:r>
+                                    <a:rPr lang="en-US" altLang="zh-CN" i="1">
+                                      <a:latin typeface="Cambria Math" panose="02040503050406030204" pitchFamily="18" charset="0"/>
+                                    </a:rPr>
+                                    <m:t>𝑥</m:t>
+                                  </m:r>
+                                </m:e>
+                                <m:sub>
+                                  <m:r>
+                                    <a:rPr lang="en-US" altLang="zh-CN" i="1">
+                                      <a:latin typeface="Cambria Math" panose="02040503050406030204" pitchFamily="18" charset="0"/>
+                                    </a:rPr>
+                                    <m:t>𝑡</m:t>
+                                  </m:r>
+                                </m:sub>
+                              </m:sSub>
+                            </m:e>
+                          </m:d>
+                        </m:e>
+                        <m:sup>
+                          <m:r>
+                            <a:rPr lang="en-US" altLang="zh-CN" b="0" i="1" smtClean="0">
+                              <a:latin typeface="Cambria Math" panose="02040503050406030204" pitchFamily="18" charset="0"/>
+                            </a:rPr>
+                            <m:t>2</m:t>
+                          </m:r>
+                        </m:sup>
+                      </m:sSup>
+                    </m:oMath>
+                  </m:oMathPara>
+                </a14:m>
+                <a:endParaRPr lang="en-US" altLang="zh-CN" dirty="0"/>
+              </a:p>
+              <a:p>
+                <a:endParaRPr lang="en-US" altLang="zh-CN" dirty="0"/>
+              </a:p>
+              <a:p>
+                <a:endParaRPr lang="en-US" altLang="zh-CN" dirty="0"/>
+              </a:p>
+              <a:p>
+                <a:pPr/>
+                <a14:m>
+                  <m:oMathPara xmlns:m="http://schemas.openxmlformats.org/officeDocument/2006/math">
+                    <m:oMathParaPr>
+                      <m:jc m:val="centerGroup"/>
+                    </m:oMathParaPr>
+                    <m:oMath xmlns:m="http://schemas.openxmlformats.org/officeDocument/2006/math">
+                      <m:r>
+                        <a:rPr lang="en-US" altLang="zh-CN" b="0" i="1" smtClean="0">
+                          <a:latin typeface="Cambria Math" panose="02040503050406030204" pitchFamily="18" charset="0"/>
+                        </a:rPr>
+                        <m:t>𝑙</m:t>
+                      </m:r>
+                      <m:d>
+                        <m:dPr>
+                          <m:ctrlPr>
+                            <a:rPr lang="en-US" altLang="zh-CN" b="0" i="1" smtClean="0">
+                              <a:latin typeface="Cambria Math" panose="02040503050406030204" pitchFamily="18" charset="0"/>
+                            </a:rPr>
+                          </m:ctrlPr>
+                        </m:dPr>
+                        <m:e>
+                          <m:r>
+                            <a:rPr lang="en-US" altLang="zh-CN" b="0" i="1" smtClean="0">
+                              <a:latin typeface="Cambria Math" panose="02040503050406030204" pitchFamily="18" charset="0"/>
+                            </a:rPr>
+                            <m:t>𝑊</m:t>
+                          </m:r>
+                          <m:r>
+                            <a:rPr lang="en-US" altLang="zh-CN" b="0" i="1" smtClean="0">
+                              <a:latin typeface="Cambria Math" panose="02040503050406030204" pitchFamily="18" charset="0"/>
+                            </a:rPr>
+                            <m:t>; </m:t>
+                          </m:r>
+                          <m:sSub>
+                            <m:sSubPr>
+                              <m:ctrlPr>
+                                <a:rPr lang="en-US" altLang="zh-CN" b="0" i="1" smtClean="0">
+                                  <a:latin typeface="Cambria Math" panose="02040503050406030204" pitchFamily="18" charset="0"/>
+                                </a:rPr>
+                              </m:ctrlPr>
+                            </m:sSubPr>
+                            <m:e>
+                              <m:r>
+                                <a:rPr lang="en-US" altLang="zh-CN" b="0" i="1" smtClean="0">
+                                  <a:latin typeface="Cambria Math" panose="02040503050406030204" pitchFamily="18" charset="0"/>
+                                </a:rPr>
+                                <m:t>𝑥</m:t>
+                              </m:r>
+                            </m:e>
+                            <m:sub>
+                              <m:r>
+                                <a:rPr lang="en-US" altLang="zh-CN" b="0" i="1" smtClean="0">
+                                  <a:latin typeface="Cambria Math" panose="02040503050406030204" pitchFamily="18" charset="0"/>
+                                </a:rPr>
+                                <m:t>𝑡</m:t>
+                              </m:r>
+                            </m:sub>
+                          </m:sSub>
+                        </m:e>
+                      </m:d>
+                      <m:r>
+                        <a:rPr lang="en-US" altLang="zh-CN" b="0" i="1" smtClean="0">
+                          <a:latin typeface="Cambria Math" panose="02040503050406030204" pitchFamily="18" charset="0"/>
+                        </a:rPr>
+                        <m:t>=</m:t>
+                      </m:r>
+                      <m:sSup>
+                        <m:sSupPr>
+                          <m:ctrlPr>
+                            <a:rPr lang="en-US" altLang="zh-CN" b="0" i="1" smtClean="0">
+                              <a:latin typeface="Cambria Math" panose="02040503050406030204" pitchFamily="18" charset="0"/>
+                            </a:rPr>
+                          </m:ctrlPr>
+                        </m:sSupPr>
+                        <m:e>
+                          <m:d>
+                            <m:dPr>
+                              <m:begChr m:val="‖"/>
+                              <m:endChr m:val="‖"/>
+                              <m:ctrlPr>
+                                <a:rPr lang="en-US" altLang="zh-CN" i="1">
+                                  <a:latin typeface="Cambria Math" panose="02040503050406030204" pitchFamily="18" charset="0"/>
+                                </a:rPr>
+                              </m:ctrlPr>
+                            </m:dPr>
+                            <m:e>
+                              <m:r>
+                                <a:rPr lang="en-US" altLang="zh-CN" i="1">
+                                  <a:latin typeface="Cambria Math" panose="02040503050406030204" pitchFamily="18" charset="0"/>
+                                </a:rPr>
+                                <m:t>𝑓</m:t>
+                              </m:r>
+                              <m:d>
+                                <m:dPr>
+                                  <m:ctrlPr>
+                                    <a:rPr lang="en-US" altLang="zh-CN" i="1">
+                                      <a:latin typeface="Cambria Math" panose="02040503050406030204" pitchFamily="18" charset="0"/>
+                                    </a:rPr>
+                                  </m:ctrlPr>
+                                </m:dPr>
+                                <m:e>
+                                  <m:sSub>
+                                    <m:sSubPr>
+                                      <m:ctrlPr>
+                                        <a:rPr lang="en-US" altLang="zh-CN" i="1" smtClean="0">
+                                          <a:solidFill>
+                                            <a:srgbClr val="836967"/>
+                                          </a:solidFill>
+                                          <a:latin typeface="Cambria Math" panose="02040503050406030204" pitchFamily="18" charset="0"/>
+                                        </a:rPr>
+                                      </m:ctrlPr>
+                                    </m:sSubPr>
+                                    <m:e>
+                                      <m:r>
+                                        <a:rPr lang="en-US" altLang="zh-CN" i="1">
+                                          <a:latin typeface="Cambria Math" panose="02040503050406030204" pitchFamily="18" charset="0"/>
+                                        </a:rPr>
+                                        <m:t>𝜃</m:t>
+                                      </m:r>
+                                    </m:e>
+                                    <m:sub>
+                                      <m:r>
+                                        <a:rPr lang="en-US" altLang="zh-CN" i="1">
+                                          <a:latin typeface="Cambria Math" panose="02040503050406030204" pitchFamily="18" charset="0"/>
+                                        </a:rPr>
+                                        <m:t>𝑘</m:t>
+                                      </m:r>
+                                    </m:sub>
+                                  </m:sSub>
+                                  <m:sSub>
+                                    <m:sSubPr>
+                                      <m:ctrlPr>
+                                        <a:rPr lang="en-US" altLang="zh-CN" i="1" smtClean="0">
+                                          <a:solidFill>
+                                            <a:srgbClr val="836967"/>
+                                          </a:solidFill>
+                                          <a:latin typeface="Cambria Math" panose="02040503050406030204" pitchFamily="18" charset="0"/>
+                                        </a:rPr>
+                                      </m:ctrlPr>
+                                    </m:sSubPr>
+                                    <m:e>
+                                      <m:r>
+                                        <a:rPr lang="en-US" altLang="zh-CN" i="1">
+                                          <a:latin typeface="Cambria Math" panose="02040503050406030204" pitchFamily="18" charset="0"/>
+                                        </a:rPr>
+                                        <m:t>𝑥</m:t>
+                                      </m:r>
+                                    </m:e>
+                                    <m:sub>
+                                      <m:r>
+                                        <a:rPr lang="en-US" altLang="zh-CN" i="1">
+                                          <a:latin typeface="Cambria Math" panose="02040503050406030204" pitchFamily="18" charset="0"/>
+                                        </a:rPr>
+                                        <m:t>𝑘</m:t>
+                                      </m:r>
+                                    </m:sub>
+                                  </m:sSub>
+                                  <m:r>
+                                    <a:rPr lang="en-US" altLang="zh-CN" i="1">
+                                      <a:latin typeface="Cambria Math" panose="02040503050406030204" pitchFamily="18" charset="0"/>
+                                    </a:rPr>
+                                    <m:t>;</m:t>
+                                  </m:r>
+                                  <m:r>
+                                    <a:rPr lang="en-US" altLang="zh-CN" i="1">
+                                      <a:latin typeface="Cambria Math" panose="02040503050406030204" pitchFamily="18" charset="0"/>
+                                    </a:rPr>
+                                    <m:t>𝑊</m:t>
+                                  </m:r>
+                                </m:e>
+                              </m:d>
+                              <m:r>
+                                <a:rPr lang="en-US" altLang="zh-CN" i="1">
+                                  <a:latin typeface="Cambria Math" panose="02040503050406030204" pitchFamily="18" charset="0"/>
+                                </a:rPr>
+                                <m:t>−</m:t>
+                              </m:r>
+                              <m:sSub>
+                                <m:sSubPr>
+                                  <m:ctrlPr>
+                                    <a:rPr lang="en-US" altLang="zh-CN" i="1">
+                                      <a:latin typeface="Cambria Math" panose="02040503050406030204" pitchFamily="18" charset="0"/>
+                                    </a:rPr>
+                                  </m:ctrlPr>
+                                </m:sSubPr>
+                                <m:e>
+                                  <m:sSub>
+                                    <m:sSubPr>
+                                      <m:ctrlPr>
+                                        <a:rPr lang="en-US" altLang="zh-CN" i="1" smtClean="0">
+                                          <a:solidFill>
+                                            <a:srgbClr val="836967"/>
+                                          </a:solidFill>
+                                          <a:latin typeface="Cambria Math" panose="02040503050406030204" pitchFamily="18" charset="0"/>
+                                        </a:rPr>
+                                      </m:ctrlPr>
+                                    </m:sSubPr>
+                                    <m:e>
+                                      <m:r>
+                                        <a:rPr lang="en-US" altLang="zh-CN" i="1">
+                                          <a:latin typeface="Cambria Math" panose="02040503050406030204" pitchFamily="18" charset="0"/>
+                                        </a:rPr>
+                                        <m:t>𝜃</m:t>
+                                      </m:r>
+                                    </m:e>
+                                    <m:sub>
+                                      <m:r>
+                                        <a:rPr lang="en-US" altLang="zh-CN" i="1">
+                                          <a:latin typeface="Cambria Math" panose="02040503050406030204" pitchFamily="18" charset="0"/>
+                                        </a:rPr>
+                                        <m:t>𝑣</m:t>
+                                      </m:r>
+                                    </m:sub>
+                                  </m:sSub>
+                                  <m:r>
+                                    <a:rPr lang="en-US" altLang="zh-CN" i="1">
+                                      <a:latin typeface="Cambria Math" panose="02040503050406030204" pitchFamily="18" charset="0"/>
+                                    </a:rPr>
+                                    <m:t>𝑥</m:t>
+                                  </m:r>
+                                </m:e>
+                                <m:sub>
+                                  <m:r>
+                                    <a:rPr lang="en-US" altLang="zh-CN" i="1">
+                                      <a:latin typeface="Cambria Math" panose="02040503050406030204" pitchFamily="18" charset="0"/>
+                                    </a:rPr>
+                                    <m:t>𝑡</m:t>
+                                  </m:r>
+                                </m:sub>
+                              </m:sSub>
+                            </m:e>
+                          </m:d>
+                        </m:e>
+                        <m:sup>
+                          <m:r>
+                            <a:rPr lang="en-US" altLang="zh-CN" b="0" i="1" smtClean="0">
+                              <a:latin typeface="Cambria Math" panose="02040503050406030204" pitchFamily="18" charset="0"/>
+                            </a:rPr>
+                            <m:t>2</m:t>
+                          </m:r>
+                        </m:sup>
+                      </m:sSup>
+                    </m:oMath>
+                  </m:oMathPara>
+                </a14:m>
+                <a:endParaRPr lang="zh-CN" altLang="en-US" dirty="0"/>
+              </a:p>
+              <a:p>
+                <a:endParaRPr lang="zh-CN" altLang="en-US" dirty="0"/>
+              </a:p>
+            </p:txBody>
+          </p:sp>
+        </mc:Choice>
+        <mc:Fallback xmlns="">
+          <p:sp>
+            <p:nvSpPr>
+              <p:cNvPr id="7" name="文本框 6">
+                <a:extLst>
+                  <a:ext uri="{FF2B5EF4-FFF2-40B4-BE49-F238E27FC236}">
+                    <a16:creationId xmlns:a16="http://schemas.microsoft.com/office/drawing/2014/main" id="{26693002-C2A0-4482-BE5C-CC70560725CD}"/>
+                  </a:ext>
+                </a:extLst>
+              </p:cNvPr>
+              <p:cNvSpPr txBox="1">
+                <a:spLocks noRot="1" noChangeAspect="1" noMove="1" noResize="1" noEditPoints="1" noAdjustHandles="1" noChangeArrowheads="1" noChangeShapeType="1" noTextEdit="1"/>
+              </p:cNvSpPr>
+              <p:nvPr/>
+            </p:nvSpPr>
+            <p:spPr>
+              <a:xfrm>
+                <a:off x="7064188" y="1067367"/>
+                <a:ext cx="3765177" cy="2585323"/>
+              </a:xfrm>
+              <a:prstGeom prst="rect">
+                <a:avLst/>
+              </a:prstGeom>
+              <a:blipFill>
+                <a:blip r:embed="rId3"/>
+                <a:stretch>
+                  <a:fillRect/>
+                </a:stretch>
+              </a:blipFill>
+            </p:spPr>
+            <p:txBody>
+              <a:bodyPr/>
+              <a:lstStyle/>
+              <a:p>
+                <a:r>
+                  <a:rPr lang="zh-CN" altLang="en-US">
+                    <a:noFill/>
+                  </a:rPr>
+                  <a:t> </a:t>
+                </a:r>
+              </a:p>
+            </p:txBody>
+          </p:sp>
+        </mc:Fallback>
+      </mc:AlternateContent>
+    </p:spTree>
+    <p:extLst>
+      <p:ext uri="{BB962C8B-B14F-4D97-AF65-F5344CB8AC3E}">
+        <p14:creationId xmlns:p14="http://schemas.microsoft.com/office/powerpoint/2010/main" val="1931462017"/>
+      </p:ext>
+    </p:extLst>
+  </p:cSld>
+  <p:clrMapOvr>
+    <a:masterClrMapping/>
+  </p:clrMapOvr>
+</p:sld>
+</file>
+
 <file path=ppt/theme/theme1.xml><?xml version="1.0" encoding="utf-8"?>
 <a:theme xmlns:a="http://schemas.openxmlformats.org/drawingml/2006/main" name="Office 主题​​">
   <a:themeElements>
